--- a/E-commerce Beauty Analysis.pptx
+++ b/E-commerce Beauty Analysis.pptx
@@ -13,6 +13,7 @@
     <p:sldId id="258" r:id="rId8"/>
     <p:sldId id="259" r:id="rId9"/>
     <p:sldId id="260" r:id="rId10"/>
+    <p:sldId id="261" r:id="rId11"/>
   </p:sldIdLst>
   <p:sldSz cy="5143500" cx="9144000"/>
   <p:notesSz cx="6858000" cy="9144000"/>
@@ -775,9 +776,118 @@
               <a:buNone/>
             </a:pPr>
             <a:r>
-              <a:t/>
+              <a:rPr lang="vi"/>
+              <a:t>Winter: December, January, </a:t>
             </a:r>
-            <a:endParaRPr/>
+            <a:r>
+              <a:rPr lang="vi" sz="1200">
+                <a:solidFill>
+                  <a:srgbClr val="001D35"/>
+                </a:solidFill>
+                <a:highlight>
+                  <a:srgbClr val="FFFFFF"/>
+                </a:highlight>
+              </a:rPr>
+              <a:t>February</a:t>
+            </a:r>
+            <a:endParaRPr sz="1200">
+              <a:solidFill>
+                <a:srgbClr val="001D35"/>
+              </a:solidFill>
+              <a:highlight>
+                <a:srgbClr val="FFFFFF"/>
+              </a:highlight>
+            </a:endParaRPr>
+          </a:p>
+          <a:p>
+            <a:pPr indent="0" lvl="0" marL="0" rtl="0" algn="l">
+              <a:spcBef>
+                <a:spcPts val="0"/>
+              </a:spcBef>
+              <a:spcAft>
+                <a:spcPts val="0"/>
+              </a:spcAft>
+              <a:buNone/>
+            </a:pPr>
+            <a:r>
+              <a:rPr lang="vi" sz="1200">
+                <a:solidFill>
+                  <a:srgbClr val="001D35"/>
+                </a:solidFill>
+                <a:highlight>
+                  <a:srgbClr val="FFFFFF"/>
+                </a:highlight>
+              </a:rPr>
+              <a:t>Spring: March, April, May</a:t>
+            </a:r>
+            <a:endParaRPr sz="1200">
+              <a:solidFill>
+                <a:srgbClr val="001D35"/>
+              </a:solidFill>
+              <a:highlight>
+                <a:srgbClr val="FFFFFF"/>
+              </a:highlight>
+            </a:endParaRPr>
+          </a:p>
+          <a:p>
+            <a:pPr indent="0" lvl="0" marL="0" rtl="0" algn="l">
+              <a:spcBef>
+                <a:spcPts val="0"/>
+              </a:spcBef>
+              <a:spcAft>
+                <a:spcPts val="0"/>
+              </a:spcAft>
+              <a:buNone/>
+            </a:pPr>
+            <a:r>
+              <a:rPr lang="vi" sz="1200">
+                <a:solidFill>
+                  <a:srgbClr val="001D35"/>
+                </a:solidFill>
+                <a:highlight>
+                  <a:srgbClr val="FFFFFF"/>
+                </a:highlight>
+              </a:rPr>
+              <a:t>Summer: Jun, July, August</a:t>
+            </a:r>
+            <a:endParaRPr sz="1200">
+              <a:solidFill>
+                <a:srgbClr val="001D35"/>
+              </a:solidFill>
+              <a:highlight>
+                <a:srgbClr val="FFFFFF"/>
+              </a:highlight>
+            </a:endParaRPr>
+          </a:p>
+          <a:p>
+            <a:pPr indent="0" lvl="0" marL="0" rtl="0" algn="l">
+              <a:spcBef>
+                <a:spcPts val="0"/>
+              </a:spcBef>
+              <a:spcAft>
+                <a:spcPts val="0"/>
+              </a:spcAft>
+              <a:buNone/>
+            </a:pPr>
+            <a:r>
+              <a:rPr lang="vi" sz="1200">
+                <a:solidFill>
+                  <a:srgbClr val="001D35"/>
+                </a:solidFill>
+                <a:highlight>
+                  <a:srgbClr val="FFFFFF"/>
+                </a:highlight>
+              </a:rPr>
+              <a:t>Autumn: September, October, November</a:t>
+            </a:r>
+            <a:endParaRPr sz="1200">
+              <a:solidFill>
+                <a:srgbClr val="001D35"/>
+              </a:solidFill>
+              <a:highlight>
+                <a:srgbClr val="FFFFFF"/>
+              </a:highlight>
+            </a:endParaRPr>
           </a:p>
         </p:txBody>
       </p:sp>
@@ -1141,6 +1251,105 @@
       <p:sp>
         <p:nvSpPr>
           <p:cNvPr id="79" name="Google Shape;79;g30399cadf79_0_15:notes"/>
+          <p:cNvSpPr txBox="1"/>
+          <p:nvPr>
+            <p:ph idx="1" type="body"/>
+          </p:nvPr>
+        </p:nvSpPr>
+        <p:spPr>
+          <a:xfrm>
+            <a:off x="685800" y="4343400"/>
+            <a:ext cx="5486400" cy="4114800"/>
+          </a:xfrm>
+          <a:prstGeom prst="rect">
+            <a:avLst/>
+          </a:prstGeom>
+        </p:spPr>
+        <p:txBody>
+          <a:bodyPr anchorCtr="0" anchor="t" bIns="91425" lIns="91425" spcFirstLastPara="1" rIns="91425" wrap="square" tIns="91425">
+            <a:noAutofit/>
+          </a:bodyPr>
+          <a:lstStyle/>
+          <a:p>
+            <a:pPr indent="0" lvl="0" marL="0" rtl="0" algn="l">
+              <a:spcBef>
+                <a:spcPts val="0"/>
+              </a:spcBef>
+              <a:spcAft>
+                <a:spcPts val="0"/>
+              </a:spcAft>
+              <a:buNone/>
+            </a:pPr>
+            <a:r>
+              <a:t/>
+            </a:r>
+            <a:endParaRPr/>
+          </a:p>
+        </p:txBody>
+      </p:sp>
+    </p:spTree>
+  </p:cSld>
+  <p:clrMapOvr>
+    <a:masterClrMapping/>
+  </p:clrMapOvr>
+</p:notes>
+</file>
+
+<file path=ppt/notesSlides/notesSlide6.xml><?xml version="1.0" encoding="utf-8"?>
+<p:notes xmlns:a="http://schemas.openxmlformats.org/drawingml/2006/main" xmlns:r="http://schemas.openxmlformats.org/officeDocument/2006/relationships" xmlns:mc="http://schemas.openxmlformats.org/markup-compatibility/2006" xmlns:mv="urn:schemas-microsoft-com:mac:vml" xmlns:p="http://schemas.openxmlformats.org/presentationml/2006/main" xmlns:c="http://schemas.openxmlformats.org/drawingml/2006/chart" xmlns:dgm="http://schemas.openxmlformats.org/drawingml/2006/diagram" xmlns:o="urn:schemas-microsoft-com:office:office" xmlns:v="urn:schemas-microsoft-com:vml" xmlns:pvml="urn:schemas-microsoft-com:office:powerpoint" xmlns:com="http://schemas.openxmlformats.org/drawingml/2006/compatibility" xmlns:p14="http://schemas.microsoft.com/office/powerpoint/2010/main" xmlns:p15="http://schemas.microsoft.com/office/powerpoint/2012/main" xmlns:ahyp="http://schemas.microsoft.com/office/drawing/2018/hyperlinkcolor" showMasterPhAnim="0" showMasterSp="0">
+  <p:cSld>
+    <p:spTree>
+      <p:nvGrpSpPr>
+        <p:cNvPr id="83" name="Shape 83"/>
+        <p:cNvGrpSpPr/>
+        <p:nvPr/>
+      </p:nvGrpSpPr>
+      <p:grpSpPr>
+        <a:xfrm>
+          <a:off x="0" y="0"/>
+          <a:ext cx="0" cy="0"/>
+          <a:chOff x="0" y="0"/>
+          <a:chExt cx="0" cy="0"/>
+        </a:xfrm>
+      </p:grpSpPr>
+      <p:sp>
+        <p:nvSpPr>
+          <p:cNvPr id="84" name="Google Shape;84;g3115aa46e32_0_6:notes"/>
+          <p:cNvSpPr/>
+          <p:nvPr>
+            <p:ph idx="2" type="sldImg"/>
+          </p:nvPr>
+        </p:nvSpPr>
+        <p:spPr>
+          <a:xfrm>
+            <a:off x="381300" y="685800"/>
+            <a:ext cx="6096000" cy="3429000"/>
+          </a:xfrm>
+          <a:custGeom>
+            <a:rect b="b" l="l" r="r" t="t"/>
+            <a:pathLst>
+              <a:path extrusionOk="0" h="120000" w="120000">
+                <a:moveTo>
+                  <a:pt x="0" y="0"/>
+                </a:moveTo>
+                <a:lnTo>
+                  <a:pt x="120000" y="0"/>
+                </a:lnTo>
+                <a:lnTo>
+                  <a:pt x="120000" y="120000"/>
+                </a:lnTo>
+                <a:lnTo>
+                  <a:pt x="0" y="120000"/>
+                </a:lnTo>
+                <a:close/>
+              </a:path>
+            </a:pathLst>
+          </a:custGeom>
+        </p:spPr>
+      </p:sp>
+      <p:sp>
+        <p:nvSpPr>
+          <p:cNvPr id="85" name="Google Shape;85;g3115aa46e32_0_6:notes"/>
           <p:cNvSpPr txBox="1"/>
           <p:nvPr>
             <p:ph idx="1" type="body"/>
@@ -6278,7 +6487,7 @@
             </a:pPr>
             <a:r>
               <a:rPr lang="vi"/>
-              <a:t>Insights</a:t>
+              <a:t>Overview Insights</a:t>
             </a:r>
             <a:endParaRPr/>
           </a:p>
@@ -6303,13 +6512,81 @@
         </p:spPr>
         <p:txBody>
           <a:bodyPr anchorCtr="0" anchor="t" bIns="91425" lIns="91425" spcFirstLastPara="1" rIns="91425" wrap="square" tIns="91425">
-            <a:normAutofit/>
+            <a:normAutofit lnSpcReduction="10000"/>
           </a:bodyPr>
           <a:lstStyle/>
           <a:p>
-            <a:pPr indent="0" lvl="0" marL="0" rtl="0" algn="l">
-              <a:spcBef>
-                <a:spcPts val="0"/>
+            <a:pPr indent="-342900" lvl="0" marL="457200" rtl="0" algn="l">
+              <a:spcBef>
+                <a:spcPts val="0"/>
+              </a:spcBef>
+              <a:spcAft>
+                <a:spcPts val="0"/>
+              </a:spcAft>
+              <a:buSzPts val="1800"/>
+              <a:buChar char="●"/>
+            </a:pPr>
+            <a:r>
+              <a:rPr lang="vi"/>
+              <a:t>The profit margin exceeded 10%, which is generally considered a strong margin for most businesses.</a:t>
+            </a:r>
+            <a:endParaRPr/>
+          </a:p>
+          <a:p>
+            <a:pPr indent="-342900" lvl="0" marL="457200" rtl="0" algn="l">
+              <a:spcBef>
+                <a:spcPts val="0"/>
+              </a:spcBef>
+              <a:spcAft>
+                <a:spcPts val="0"/>
+              </a:spcAft>
+              <a:buSzPts val="1800"/>
+              <a:buChar char="●"/>
+            </a:pPr>
+            <a:r>
+              <a:rPr lang="vi"/>
+              <a:t>Sales trends showed significant spikes at the start of winter (December), summer (June), and autumn (August), followed by gradual declines. This pattern may be driven by seasonal changes, encouraging customers to update their beauty products.</a:t>
+            </a:r>
+            <a:endParaRPr/>
+          </a:p>
+          <a:p>
+            <a:pPr indent="-342900" lvl="0" marL="457200" rtl="0" algn="l">
+              <a:spcBef>
+                <a:spcPts val="0"/>
+              </a:spcBef>
+              <a:spcAft>
+                <a:spcPts val="0"/>
+              </a:spcAft>
+              <a:buSzPts val="1800"/>
+              <a:buChar char="●"/>
+            </a:pPr>
+            <a:r>
+              <a:rPr lang="vi"/>
+              <a:t>Europe and America were the top regions in terms of sales.</a:t>
+            </a:r>
+            <a:endParaRPr/>
+          </a:p>
+          <a:p>
+            <a:pPr indent="-342900" lvl="0" marL="457200" rtl="0" algn="l">
+              <a:spcBef>
+                <a:spcPts val="0"/>
+              </a:spcBef>
+              <a:spcAft>
+                <a:spcPts val="0"/>
+              </a:spcAft>
+              <a:buSzPts val="1800"/>
+              <a:buChar char="●"/>
+            </a:pPr>
+            <a:r>
+              <a:rPr lang="vi"/>
+              <a:t>E-commerce sales have shown consistent year-over-year growth, with sales volume steadily increasing annually</a:t>
+            </a:r>
+            <a:endParaRPr/>
+          </a:p>
+          <a:p>
+            <a:pPr indent="0" lvl="0" marL="457200" rtl="0" algn="l">
+              <a:spcBef>
+                <a:spcPts val="1200"/>
               </a:spcBef>
               <a:spcAft>
                 <a:spcPts val="1200"/>
@@ -6381,7 +6658,8 @@
               <a:buNone/>
             </a:pPr>
             <a:r>
-              <a:t/>
+              <a:rPr lang="vi"/>
+              <a:t>Market Insights</a:t>
             </a:r>
             <a:endParaRPr/>
           </a:p>
@@ -6410,9 +6688,249 @@
           </a:bodyPr>
           <a:lstStyle/>
           <a:p>
+            <a:pPr indent="-342900" lvl="0" marL="457200" rtl="0" algn="l">
+              <a:spcBef>
+                <a:spcPts val="0"/>
+              </a:spcBef>
+              <a:spcAft>
+                <a:spcPts val="0"/>
+              </a:spcAft>
+              <a:buSzPts val="1800"/>
+              <a:buChar char="●"/>
+            </a:pPr>
+            <a:r>
+              <a:rPr lang="vi"/>
+              <a:t>Europe and the Asia Pacific were the top markets in terms of profit.</a:t>
+            </a:r>
+            <a:endParaRPr/>
+          </a:p>
+          <a:p>
+            <a:pPr indent="-342900" lvl="0" marL="457200" rtl="0" algn="l">
+              <a:spcBef>
+                <a:spcPts val="0"/>
+              </a:spcBef>
+              <a:spcAft>
+                <a:spcPts val="0"/>
+              </a:spcAft>
+              <a:buSzPts val="1800"/>
+              <a:buChar char="●"/>
+            </a:pPr>
+            <a:r>
+              <a:rPr lang="vi"/>
+              <a:t>The United States had the highest number of customers.</a:t>
+            </a:r>
+            <a:endParaRPr/>
+          </a:p>
+          <a:p>
+            <a:pPr indent="-342900" lvl="0" marL="457200" rtl="0" algn="l">
+              <a:spcBef>
+                <a:spcPts val="0"/>
+              </a:spcBef>
+              <a:spcAft>
+                <a:spcPts val="0"/>
+              </a:spcAft>
+              <a:buSzPts val="1800"/>
+              <a:buChar char="●"/>
+            </a:pPr>
+            <a:r>
+              <a:rPr lang="vi"/>
+              <a:t>The top three markets by sales were Asia Pacific, Europe, and USCA.</a:t>
+            </a:r>
+            <a:endParaRPr/>
+          </a:p>
+          <a:p>
+            <a:pPr indent="-342900" lvl="0" marL="457200" rtl="0" algn="l">
+              <a:spcBef>
+                <a:spcPts val="0"/>
+              </a:spcBef>
+              <a:spcAft>
+                <a:spcPts val="0"/>
+              </a:spcAft>
+              <a:buSzPts val="1800"/>
+              <a:buChar char="●"/>
+            </a:pPr>
+            <a:r>
+              <a:rPr lang="vi"/>
+              <a:t>Customers in the United States had the highest total spending.</a:t>
+            </a:r>
+            <a:endParaRPr/>
+          </a:p>
+          <a:p>
             <a:pPr indent="0" lvl="0" marL="0" rtl="0" algn="l">
               <a:spcBef>
-                <a:spcPts val="0"/>
+                <a:spcPts val="1200"/>
+              </a:spcBef>
+              <a:spcAft>
+                <a:spcPts val="1200"/>
+              </a:spcAft>
+              <a:buNone/>
+            </a:pPr>
+            <a:r>
+              <a:t/>
+            </a:r>
+            <a:endParaRPr/>
+          </a:p>
+        </p:txBody>
+      </p:sp>
+    </p:spTree>
+  </p:cSld>
+  <p:clrMapOvr>
+    <a:masterClrMapping/>
+  </p:clrMapOvr>
+</p:sld>
+</file>
+
+<file path=ppt/slides/slide6.xml><?xml version="1.0" encoding="utf-8"?>
+<p:sld xmlns:a="http://schemas.openxmlformats.org/drawingml/2006/main" xmlns:r="http://schemas.openxmlformats.org/officeDocument/2006/relationships" xmlns:mc="http://schemas.openxmlformats.org/markup-compatibility/2006" xmlns:mv="urn:schemas-microsoft-com:mac:vml" xmlns:p="http://schemas.openxmlformats.org/presentationml/2006/main" xmlns:c="http://schemas.openxmlformats.org/drawingml/2006/chart" xmlns:dgm="http://schemas.openxmlformats.org/drawingml/2006/diagram" xmlns:o="urn:schemas-microsoft-com:office:office" xmlns:v="urn:schemas-microsoft-com:vml" xmlns:pvml="urn:schemas-microsoft-com:office:powerpoint" xmlns:com="http://schemas.openxmlformats.org/drawingml/2006/compatibility" xmlns:p14="http://schemas.microsoft.com/office/powerpoint/2010/main" xmlns:p15="http://schemas.microsoft.com/office/powerpoint/2012/main" xmlns:ahyp="http://schemas.microsoft.com/office/drawing/2018/hyperlinkcolor">
+  <p:cSld>
+    <p:spTree>
+      <p:nvGrpSpPr>
+        <p:cNvPr id="86" name="Shape 86"/>
+        <p:cNvGrpSpPr/>
+        <p:nvPr/>
+      </p:nvGrpSpPr>
+      <p:grpSpPr>
+        <a:xfrm>
+          <a:off x="0" y="0"/>
+          <a:ext cx="0" cy="0"/>
+          <a:chOff x="0" y="0"/>
+          <a:chExt cx="0" cy="0"/>
+        </a:xfrm>
+      </p:grpSpPr>
+      <p:sp>
+        <p:nvSpPr>
+          <p:cNvPr id="87" name="Google Shape;87;p18"/>
+          <p:cNvSpPr txBox="1"/>
+          <p:nvPr>
+            <p:ph type="title"/>
+          </p:nvPr>
+        </p:nvSpPr>
+        <p:spPr>
+          <a:xfrm>
+            <a:off x="311700" y="445025"/>
+            <a:ext cx="8520600" cy="572700"/>
+          </a:xfrm>
+          <a:prstGeom prst="rect">
+            <a:avLst/>
+          </a:prstGeom>
+        </p:spPr>
+        <p:txBody>
+          <a:bodyPr anchorCtr="0" anchor="t" bIns="91425" lIns="91425" spcFirstLastPara="1" rIns="91425" wrap="square" tIns="91425">
+            <a:normAutofit fontScale="90000"/>
+          </a:bodyPr>
+          <a:lstStyle/>
+          <a:p>
+            <a:pPr indent="0" lvl="0" marL="0" rtl="0" algn="l">
+              <a:spcBef>
+                <a:spcPts val="0"/>
+              </a:spcBef>
+              <a:spcAft>
+                <a:spcPts val="0"/>
+              </a:spcAft>
+              <a:buNone/>
+            </a:pPr>
+            <a:r>
+              <a:rPr lang="vi"/>
+              <a:t>Segment and Categories Insights</a:t>
+            </a:r>
+            <a:endParaRPr/>
+          </a:p>
+        </p:txBody>
+      </p:sp>
+      <p:sp>
+        <p:nvSpPr>
+          <p:cNvPr id="88" name="Google Shape;88;p18"/>
+          <p:cNvSpPr txBox="1"/>
+          <p:nvPr>
+            <p:ph idx="1" type="body"/>
+          </p:nvPr>
+        </p:nvSpPr>
+        <p:spPr>
+          <a:xfrm>
+            <a:off x="311700" y="1152475"/>
+            <a:ext cx="8520600" cy="3416400"/>
+          </a:xfrm>
+          <a:prstGeom prst="rect">
+            <a:avLst/>
+          </a:prstGeom>
+        </p:spPr>
+        <p:txBody>
+          <a:bodyPr anchorCtr="0" anchor="t" bIns="91425" lIns="91425" spcFirstLastPara="1" rIns="91425" wrap="square" tIns="91425">
+            <a:normAutofit/>
+          </a:bodyPr>
+          <a:lstStyle/>
+          <a:p>
+            <a:pPr indent="-342900" lvl="0" marL="457200" rtl="0" algn="l">
+              <a:spcBef>
+                <a:spcPts val="0"/>
+              </a:spcBef>
+              <a:spcAft>
+                <a:spcPts val="0"/>
+              </a:spcAft>
+              <a:buSzPts val="1800"/>
+              <a:buChar char="●"/>
+            </a:pPr>
+            <a:r>
+              <a:rPr lang="vi"/>
+              <a:t>The corporate segment led in both sales and profit.</a:t>
+            </a:r>
+            <a:endParaRPr/>
+          </a:p>
+          <a:p>
+            <a:pPr indent="-342900" lvl="0" marL="457200" rtl="0" algn="l">
+              <a:spcBef>
+                <a:spcPts val="0"/>
+              </a:spcBef>
+              <a:spcAft>
+                <a:spcPts val="0"/>
+              </a:spcAft>
+              <a:buSzPts val="1800"/>
+              <a:buChar char="●"/>
+            </a:pPr>
+            <a:r>
+              <a:rPr lang="vi"/>
+              <a:t>Following corporate in terms of profit was the consumer segment. Profit from consumer beauty products in e-commerce increased each year from 2020 to 2022, with a slight decrease in 2023.</a:t>
+            </a:r>
+            <a:endParaRPr/>
+          </a:p>
+          <a:p>
+            <a:pPr indent="-342900" lvl="0" marL="457200" rtl="0" algn="l">
+              <a:spcBef>
+                <a:spcPts val="0"/>
+              </a:spcBef>
+              <a:spcAft>
+                <a:spcPts val="0"/>
+              </a:spcAft>
+              <a:buSzPts val="1800"/>
+              <a:buChar char="●"/>
+            </a:pPr>
+            <a:r>
+              <a:rPr lang="vi"/>
+              <a:t>Body care was the top category in terms of profit.</a:t>
+            </a:r>
+            <a:endParaRPr/>
+          </a:p>
+          <a:p>
+            <a:pPr indent="-342900" lvl="0" marL="457200" rtl="0" algn="l">
+              <a:spcBef>
+                <a:spcPts val="0"/>
+              </a:spcBef>
+              <a:spcAft>
+                <a:spcPts val="0"/>
+              </a:spcAft>
+              <a:buSzPts val="1800"/>
+              <a:buChar char="●"/>
+            </a:pPr>
+            <a:r>
+              <a:rPr lang="vi"/>
+              <a:t>Body care also ranked first in quantity sold.</a:t>
+            </a:r>
+            <a:endParaRPr/>
+          </a:p>
+          <a:p>
+            <a:pPr indent="0" lvl="0" marL="0" rtl="0" algn="l">
+              <a:spcBef>
+                <a:spcPts val="1200"/>
               </a:spcBef>
               <a:spcAft>
                 <a:spcPts val="1200"/>
